--- a/outputs/04_figure2_arranged.pptx
+++ b/outputs/04_figure2_arranged.pptx
@@ -275,7 +275,7 @@
           <a:p>
             <a:fld id="{C4979A4E-1FEC-41FD-BB1B-9E79827878E8}" type="datetimeFigureOut">
               <a:rPr lang="fr-CA" smtClean="0"/>
-              <a:t>2021-06-02</a:t>
+              <a:t>2021-06-11</a:t>
             </a:fld>
             <a:endParaRPr lang="fr-CA"/>
           </a:p>
@@ -445,7 +445,7 @@
           <a:p>
             <a:fld id="{C4979A4E-1FEC-41FD-BB1B-9E79827878E8}" type="datetimeFigureOut">
               <a:rPr lang="fr-CA" smtClean="0"/>
-              <a:t>2021-06-02</a:t>
+              <a:t>2021-06-11</a:t>
             </a:fld>
             <a:endParaRPr lang="fr-CA"/>
           </a:p>
@@ -625,7 +625,7 @@
           <a:p>
             <a:fld id="{C4979A4E-1FEC-41FD-BB1B-9E79827878E8}" type="datetimeFigureOut">
               <a:rPr lang="fr-CA" smtClean="0"/>
-              <a:t>2021-06-02</a:t>
+              <a:t>2021-06-11</a:t>
             </a:fld>
             <a:endParaRPr lang="fr-CA"/>
           </a:p>
@@ -795,7 +795,7 @@
           <a:p>
             <a:fld id="{C4979A4E-1FEC-41FD-BB1B-9E79827878E8}" type="datetimeFigureOut">
               <a:rPr lang="fr-CA" smtClean="0"/>
-              <a:t>2021-06-02</a:t>
+              <a:t>2021-06-11</a:t>
             </a:fld>
             <a:endParaRPr lang="fr-CA"/>
           </a:p>
@@ -1041,7 +1041,7 @@
           <a:p>
             <a:fld id="{C4979A4E-1FEC-41FD-BB1B-9E79827878E8}" type="datetimeFigureOut">
               <a:rPr lang="fr-CA" smtClean="0"/>
-              <a:t>2021-06-02</a:t>
+              <a:t>2021-06-11</a:t>
             </a:fld>
             <a:endParaRPr lang="fr-CA"/>
           </a:p>
@@ -1273,7 +1273,7 @@
           <a:p>
             <a:fld id="{C4979A4E-1FEC-41FD-BB1B-9E79827878E8}" type="datetimeFigureOut">
               <a:rPr lang="fr-CA" smtClean="0"/>
-              <a:t>2021-06-02</a:t>
+              <a:t>2021-06-11</a:t>
             </a:fld>
             <a:endParaRPr lang="fr-CA"/>
           </a:p>
@@ -1640,7 +1640,7 @@
           <a:p>
             <a:fld id="{C4979A4E-1FEC-41FD-BB1B-9E79827878E8}" type="datetimeFigureOut">
               <a:rPr lang="fr-CA" smtClean="0"/>
-              <a:t>2021-06-02</a:t>
+              <a:t>2021-06-11</a:t>
             </a:fld>
             <a:endParaRPr lang="fr-CA"/>
           </a:p>
@@ -1758,7 +1758,7 @@
           <a:p>
             <a:fld id="{C4979A4E-1FEC-41FD-BB1B-9E79827878E8}" type="datetimeFigureOut">
               <a:rPr lang="fr-CA" smtClean="0"/>
-              <a:t>2021-06-02</a:t>
+              <a:t>2021-06-11</a:t>
             </a:fld>
             <a:endParaRPr lang="fr-CA"/>
           </a:p>
@@ -1853,7 +1853,7 @@
           <a:p>
             <a:fld id="{C4979A4E-1FEC-41FD-BB1B-9E79827878E8}" type="datetimeFigureOut">
               <a:rPr lang="fr-CA" smtClean="0"/>
-              <a:t>2021-06-02</a:t>
+              <a:t>2021-06-11</a:t>
             </a:fld>
             <a:endParaRPr lang="fr-CA"/>
           </a:p>
@@ -2130,7 +2130,7 @@
           <a:p>
             <a:fld id="{C4979A4E-1FEC-41FD-BB1B-9E79827878E8}" type="datetimeFigureOut">
               <a:rPr lang="fr-CA" smtClean="0"/>
-              <a:t>2021-06-02</a:t>
+              <a:t>2021-06-11</a:t>
             </a:fld>
             <a:endParaRPr lang="fr-CA"/>
           </a:p>
@@ -2383,7 +2383,7 @@
           <a:p>
             <a:fld id="{C4979A4E-1FEC-41FD-BB1B-9E79827878E8}" type="datetimeFigureOut">
               <a:rPr lang="fr-CA" smtClean="0"/>
-              <a:t>2021-06-02</a:t>
+              <a:t>2021-06-11</a:t>
             </a:fld>
             <a:endParaRPr lang="fr-CA"/>
           </a:p>
@@ -2596,7 +2596,7 @@
           <a:p>
             <a:fld id="{C4979A4E-1FEC-41FD-BB1B-9E79827878E8}" type="datetimeFigureOut">
               <a:rPr lang="fr-CA" smtClean="0"/>
-              <a:t>2021-06-02</a:t>
+              <a:t>2021-06-11</a:t>
             </a:fld>
             <a:endParaRPr lang="fr-CA"/>
           </a:p>
@@ -25871,64 +25871,127 @@
       </p:sp>
       <p:grpSp>
         <p:nvGrpSpPr>
-          <p:cNvPr id="1018" name="Group 1017"/>
+          <p:cNvPr id="3" name="Group 2"/>
           <p:cNvGrpSpPr/>
           <p:nvPr/>
         </p:nvGrpSpPr>
         <p:grpSpPr>
           <a:xfrm>
-            <a:off x="1003663" y="1071154"/>
-            <a:ext cx="10184674" cy="5115255"/>
-            <a:chOff x="1084217" y="1267097"/>
-            <a:chExt cx="10184674" cy="5115255"/>
+            <a:off x="940526" y="979713"/>
+            <a:ext cx="10287001" cy="5206696"/>
+            <a:chOff x="940526" y="979713"/>
+            <a:chExt cx="10287001" cy="5206696"/>
           </a:xfrm>
         </p:grpSpPr>
-        <p:pic>
-          <p:nvPicPr>
-            <p:cNvPr id="942" name="Picture 941"/>
-            <p:cNvPicPr>
-              <a:picLocks noChangeAspect="1"/>
-            </p:cNvPicPr>
+        <p:sp>
+          <p:nvSpPr>
+            <p:cNvPr id="2" name="Rectangle 1"/>
+            <p:cNvSpPr/>
             <p:nvPr/>
-          </p:nvPicPr>
-          <p:blipFill rotWithShape="1">
-            <a:blip r:embed="rId2"/>
-            <a:srcRect l="33535" t="19946" r="13683"/>
-            <a:stretch/>
-          </p:blipFill>
+          </p:nvSpPr>
           <p:spPr>
             <a:xfrm>
-              <a:off x="1084217" y="1267097"/>
-              <a:ext cx="4833258" cy="5085486"/>
+              <a:off x="940526" y="979713"/>
+              <a:ext cx="10287001" cy="5068389"/>
             </a:xfrm>
             <a:prstGeom prst="rect">
               <a:avLst/>
             </a:prstGeom>
+            <a:solidFill>
+              <a:schemeClr val="bg1"/>
+            </a:solidFill>
+            <a:ln>
+              <a:solidFill>
+                <a:schemeClr val="bg1"/>
+              </a:solidFill>
+            </a:ln>
           </p:spPr>
-        </p:pic>
-        <p:pic>
-          <p:nvPicPr>
-            <p:cNvPr id="1017" name="Picture 1016"/>
-            <p:cNvPicPr>
-              <a:picLocks noChangeAspect="1"/>
-            </p:cNvPicPr>
+          <p:style>
+            <a:lnRef idx="2">
+              <a:schemeClr val="accent1">
+                <a:shade val="50000"/>
+              </a:schemeClr>
+            </a:lnRef>
+            <a:fillRef idx="1">
+              <a:schemeClr val="accent1"/>
+            </a:fillRef>
+            <a:effectRef idx="0">
+              <a:schemeClr val="accent1"/>
+            </a:effectRef>
+            <a:fontRef idx="minor">
+              <a:schemeClr val="lt1"/>
+            </a:fontRef>
+          </p:style>
+          <p:txBody>
+            <a:bodyPr rtlCol="0" anchor="ctr"/>
+            <a:lstStyle/>
+            <a:p>
+              <a:pPr algn="ctr"/>
+              <a:endParaRPr lang="fr-CA"/>
+            </a:p>
+          </p:txBody>
+        </p:sp>
+        <p:grpSp>
+          <p:nvGrpSpPr>
+            <p:cNvPr id="1018" name="Group 1017"/>
+            <p:cNvGrpSpPr/>
             <p:nvPr/>
-          </p:nvPicPr>
-          <p:blipFill rotWithShape="1">
-            <a:blip r:embed="rId3"/>
-            <a:srcRect l="33500" t="19786" r="10009"/>
-            <a:stretch/>
-          </p:blipFill>
-          <p:spPr>
+          </p:nvGrpSpPr>
+          <p:grpSpPr>
             <a:xfrm>
-              <a:off x="6096000" y="1267097"/>
-              <a:ext cx="5172891" cy="5115255"/>
+              <a:off x="1003663" y="1071154"/>
+              <a:ext cx="10184674" cy="5115255"/>
+              <a:chOff x="1084217" y="1267097"/>
+              <a:chExt cx="10184674" cy="5115255"/>
             </a:xfrm>
-            <a:prstGeom prst="rect">
-              <a:avLst/>
-            </a:prstGeom>
-          </p:spPr>
-        </p:pic>
+          </p:grpSpPr>
+          <p:pic>
+            <p:nvPicPr>
+              <p:cNvPr id="942" name="Picture 941"/>
+              <p:cNvPicPr>
+                <a:picLocks noChangeAspect="1"/>
+              </p:cNvPicPr>
+              <p:nvPr/>
+            </p:nvPicPr>
+            <p:blipFill rotWithShape="1">
+              <a:blip r:embed="rId2"/>
+              <a:srcRect l="33535" t="19946" r="13683"/>
+              <a:stretch/>
+            </p:blipFill>
+            <p:spPr>
+              <a:xfrm>
+                <a:off x="1084217" y="1267097"/>
+                <a:ext cx="4833258" cy="5085486"/>
+              </a:xfrm>
+              <a:prstGeom prst="rect">
+                <a:avLst/>
+              </a:prstGeom>
+            </p:spPr>
+          </p:pic>
+          <p:pic>
+            <p:nvPicPr>
+              <p:cNvPr id="1017" name="Picture 1016"/>
+              <p:cNvPicPr>
+                <a:picLocks noChangeAspect="1"/>
+              </p:cNvPicPr>
+              <p:nvPr/>
+            </p:nvPicPr>
+            <p:blipFill rotWithShape="1">
+              <a:blip r:embed="rId3"/>
+              <a:srcRect l="33500" t="19786" r="10009"/>
+              <a:stretch/>
+            </p:blipFill>
+            <p:spPr>
+              <a:xfrm>
+                <a:off x="6096000" y="1267097"/>
+                <a:ext cx="5172891" cy="5115255"/>
+              </a:xfrm>
+              <a:prstGeom prst="rect">
+                <a:avLst/>
+              </a:prstGeom>
+            </p:spPr>
+          </p:pic>
+        </p:grpSp>
       </p:grpSp>
     </p:spTree>
     <p:extLst>

--- a/outputs/04_figure2_arranged.pptx
+++ b/outputs/04_figure2_arranged.pptx
@@ -12,6 +12,7 @@
     <p:sldId id="262" r:id="rId6"/>
     <p:sldId id="265" r:id="rId7"/>
     <p:sldId id="264" r:id="rId8"/>
+    <p:sldId id="266" r:id="rId9"/>
   </p:sldIdLst>
   <p:sldSz cx="12192000" cy="6858000"/>
   <p:notesSz cx="6858000" cy="9144000"/>
@@ -122,6 +123,7 @@
             <p14:sldId id="262"/>
             <p14:sldId id="265"/>
             <p14:sldId id="264"/>
+            <p14:sldId id="266"/>
           </p14:sldIdLst>
         </p14:section>
       </p14:sectionLst>
@@ -275,7 +277,7 @@
           <a:p>
             <a:fld id="{C4979A4E-1FEC-41FD-BB1B-9E79827878E8}" type="datetimeFigureOut">
               <a:rPr lang="fr-CA" smtClean="0"/>
-              <a:t>2021-06-11</a:t>
+              <a:t>2021-06-15</a:t>
             </a:fld>
             <a:endParaRPr lang="fr-CA"/>
           </a:p>
@@ -445,7 +447,7 @@
           <a:p>
             <a:fld id="{C4979A4E-1FEC-41FD-BB1B-9E79827878E8}" type="datetimeFigureOut">
               <a:rPr lang="fr-CA" smtClean="0"/>
-              <a:t>2021-06-11</a:t>
+              <a:t>2021-06-15</a:t>
             </a:fld>
             <a:endParaRPr lang="fr-CA"/>
           </a:p>
@@ -625,7 +627,7 @@
           <a:p>
             <a:fld id="{C4979A4E-1FEC-41FD-BB1B-9E79827878E8}" type="datetimeFigureOut">
               <a:rPr lang="fr-CA" smtClean="0"/>
-              <a:t>2021-06-11</a:t>
+              <a:t>2021-06-15</a:t>
             </a:fld>
             <a:endParaRPr lang="fr-CA"/>
           </a:p>
@@ -795,7 +797,7 @@
           <a:p>
             <a:fld id="{C4979A4E-1FEC-41FD-BB1B-9E79827878E8}" type="datetimeFigureOut">
               <a:rPr lang="fr-CA" smtClean="0"/>
-              <a:t>2021-06-11</a:t>
+              <a:t>2021-06-15</a:t>
             </a:fld>
             <a:endParaRPr lang="fr-CA"/>
           </a:p>
@@ -1041,7 +1043,7 @@
           <a:p>
             <a:fld id="{C4979A4E-1FEC-41FD-BB1B-9E79827878E8}" type="datetimeFigureOut">
               <a:rPr lang="fr-CA" smtClean="0"/>
-              <a:t>2021-06-11</a:t>
+              <a:t>2021-06-15</a:t>
             </a:fld>
             <a:endParaRPr lang="fr-CA"/>
           </a:p>
@@ -1273,7 +1275,7 @@
           <a:p>
             <a:fld id="{C4979A4E-1FEC-41FD-BB1B-9E79827878E8}" type="datetimeFigureOut">
               <a:rPr lang="fr-CA" smtClean="0"/>
-              <a:t>2021-06-11</a:t>
+              <a:t>2021-06-15</a:t>
             </a:fld>
             <a:endParaRPr lang="fr-CA"/>
           </a:p>
@@ -1640,7 +1642,7 @@
           <a:p>
             <a:fld id="{C4979A4E-1FEC-41FD-BB1B-9E79827878E8}" type="datetimeFigureOut">
               <a:rPr lang="fr-CA" smtClean="0"/>
-              <a:t>2021-06-11</a:t>
+              <a:t>2021-06-15</a:t>
             </a:fld>
             <a:endParaRPr lang="fr-CA"/>
           </a:p>
@@ -1758,7 +1760,7 @@
           <a:p>
             <a:fld id="{C4979A4E-1FEC-41FD-BB1B-9E79827878E8}" type="datetimeFigureOut">
               <a:rPr lang="fr-CA" smtClean="0"/>
-              <a:t>2021-06-11</a:t>
+              <a:t>2021-06-15</a:t>
             </a:fld>
             <a:endParaRPr lang="fr-CA"/>
           </a:p>
@@ -1853,7 +1855,7 @@
           <a:p>
             <a:fld id="{C4979A4E-1FEC-41FD-BB1B-9E79827878E8}" type="datetimeFigureOut">
               <a:rPr lang="fr-CA" smtClean="0"/>
-              <a:t>2021-06-11</a:t>
+              <a:t>2021-06-15</a:t>
             </a:fld>
             <a:endParaRPr lang="fr-CA"/>
           </a:p>
@@ -2130,7 +2132,7 @@
           <a:p>
             <a:fld id="{C4979A4E-1FEC-41FD-BB1B-9E79827878E8}" type="datetimeFigureOut">
               <a:rPr lang="fr-CA" smtClean="0"/>
-              <a:t>2021-06-11</a:t>
+              <a:t>2021-06-15</a:t>
             </a:fld>
             <a:endParaRPr lang="fr-CA"/>
           </a:p>
@@ -2383,7 +2385,7 @@
           <a:p>
             <a:fld id="{C4979A4E-1FEC-41FD-BB1B-9E79827878E8}" type="datetimeFigureOut">
               <a:rPr lang="fr-CA" smtClean="0"/>
-              <a:t>2021-06-11</a:t>
+              <a:t>2021-06-15</a:t>
             </a:fld>
             <a:endParaRPr lang="fr-CA"/>
           </a:p>
@@ -2596,7 +2598,7 @@
           <a:p>
             <a:fld id="{C4979A4E-1FEC-41FD-BB1B-9E79827878E8}" type="datetimeFigureOut">
               <a:rPr lang="fr-CA" smtClean="0"/>
-              <a:t>2021-06-11</a:t>
+              <a:t>2021-06-15</a:t>
             </a:fld>
             <a:endParaRPr lang="fr-CA"/>
           </a:p>
@@ -20192,7 +20194,7 @@
                 </a:spcAft>
               </a:pPr>
               <a:r>
-                <a:rPr sz="1320" dirty="0">
+                <a:rPr lang="en-CA" sz="1320" dirty="0">
                   <a:solidFill>
                     <a:srgbClr val="000000">
                       <a:alpha val="100000"/>
@@ -20201,7 +20203,19 @@
                   <a:latin typeface="Arial"/>
                   <a:cs typeface="Arial"/>
                 </a:rPr>
-                <a:t>time </a:t>
+                <a:t>a</a:t>
+              </a:r>
+              <a:r>
+                <a:rPr sz="1320" dirty="0" err="1" smtClean="0">
+                  <a:solidFill>
+                    <a:srgbClr val="000000">
+                      <a:alpha val="100000"/>
+                    </a:srgbClr>
+                  </a:solidFill>
+                  <a:latin typeface="Arial"/>
+                  <a:cs typeface="Arial"/>
+                </a:rPr>
+                <a:t>mbush</a:t>
               </a:r>
               <a:r>
                 <a:rPr lang="en-CA" sz="1320" dirty="0" smtClean="0">
@@ -20213,19 +20227,7 @@
                   <a:latin typeface="Arial"/>
                   <a:cs typeface="Arial"/>
                 </a:rPr>
-                <a:t>in </a:t>
-              </a:r>
-              <a:r>
-                <a:rPr sz="1320" dirty="0" smtClean="0">
-                  <a:solidFill>
-                    <a:srgbClr val="000000">
-                      <a:alpha val="100000"/>
-                    </a:srgbClr>
-                  </a:solidFill>
-                  <a:latin typeface="Arial"/>
-                  <a:cs typeface="Arial"/>
-                </a:rPr>
-                <a:t>ambush</a:t>
+                <a:t> time</a:t>
               </a:r>
               <a:endParaRPr sz="1320" dirty="0">
                 <a:solidFill>
@@ -20409,7 +20411,7 @@
                 </a:spcAft>
               </a:pPr>
               <a:r>
-                <a:rPr sz="1320" dirty="0">
+                <a:rPr lang="en-CA" sz="1320" dirty="0">
                   <a:solidFill>
                     <a:srgbClr val="000000">
                       <a:alpha val="100000"/>
@@ -20418,7 +20420,19 @@
                   <a:latin typeface="Arial"/>
                   <a:cs typeface="Arial"/>
                 </a:rPr>
-                <a:t>time </a:t>
+                <a:t>a</a:t>
+              </a:r>
+              <a:r>
+                <a:rPr sz="1320" dirty="0" err="1" smtClean="0">
+                  <a:solidFill>
+                    <a:srgbClr val="000000">
+                      <a:alpha val="100000"/>
+                    </a:srgbClr>
+                  </a:solidFill>
+                  <a:latin typeface="Arial"/>
+                  <a:cs typeface="Arial"/>
+                </a:rPr>
+                <a:t>mbush</a:t>
               </a:r>
               <a:r>
                 <a:rPr lang="en-CA" sz="1320" dirty="0" smtClean="0">
@@ -20430,19 +20444,7 @@
                   <a:latin typeface="Arial"/>
                   <a:cs typeface="Arial"/>
                 </a:rPr>
-                <a:t>in </a:t>
-              </a:r>
-              <a:r>
-                <a:rPr sz="1320" dirty="0" smtClean="0">
-                  <a:solidFill>
-                    <a:srgbClr val="000000">
-                      <a:alpha val="100000"/>
-                    </a:srgbClr>
-                  </a:solidFill>
-                  <a:latin typeface="Arial"/>
-                  <a:cs typeface="Arial"/>
-                </a:rPr>
-                <a:t>ambush</a:t>
+                <a:t> time</a:t>
               </a:r>
               <a:endParaRPr sz="1320" dirty="0">
                 <a:solidFill>
@@ -25007,7 +25009,7 @@
                   </a:spcAft>
                 </a:pPr>
                 <a:r>
-                  <a:rPr sz="1320" dirty="0">
+                  <a:rPr lang="en-CA" sz="1320" dirty="0">
                     <a:solidFill>
                       <a:srgbClr val="000000">
                         <a:alpha val="100000"/>
@@ -25016,7 +25018,19 @@
                     <a:latin typeface="Arial"/>
                     <a:cs typeface="Arial"/>
                   </a:rPr>
-                  <a:t>time </a:t>
+                  <a:t>a</a:t>
+                </a:r>
+                <a:r>
+                  <a:rPr sz="1320" dirty="0" err="1" smtClean="0">
+                    <a:solidFill>
+                      <a:srgbClr val="000000">
+                        <a:alpha val="100000"/>
+                      </a:srgbClr>
+                    </a:solidFill>
+                    <a:latin typeface="Arial"/>
+                    <a:cs typeface="Arial"/>
+                  </a:rPr>
+                  <a:t>mbush</a:t>
                 </a:r>
                 <a:r>
                   <a:rPr lang="en-CA" sz="1320" dirty="0" smtClean="0">
@@ -25028,19 +25042,7 @@
                     <a:latin typeface="Arial"/>
                     <a:cs typeface="Arial"/>
                   </a:rPr>
-                  <a:t>in </a:t>
-                </a:r>
-                <a:r>
-                  <a:rPr sz="1320" dirty="0" smtClean="0">
-                    <a:solidFill>
-                      <a:srgbClr val="000000">
-                        <a:alpha val="100000"/>
-                      </a:srgbClr>
-                    </a:solidFill>
-                    <a:latin typeface="Arial"/>
-                    <a:cs typeface="Arial"/>
-                  </a:rPr>
-                  <a:t>ambush</a:t>
+                  <a:t> time</a:t>
                 </a:r>
                 <a:endParaRPr sz="1320" dirty="0">
                   <a:solidFill>
@@ -25712,7 +25714,7 @@
                 </a:spcAft>
               </a:pPr>
               <a:r>
-                <a:rPr sz="1320" dirty="0">
+                <a:rPr lang="en-CA" sz="1320" dirty="0">
                   <a:solidFill>
                     <a:srgbClr val="000000">
                       <a:alpha val="100000"/>
@@ -25721,7 +25723,19 @@
                   <a:latin typeface="Arial"/>
                   <a:cs typeface="Arial"/>
                 </a:rPr>
-                <a:t>time </a:t>
+                <a:t>a</a:t>
+              </a:r>
+              <a:r>
+                <a:rPr sz="1320" dirty="0" err="1" smtClean="0">
+                  <a:solidFill>
+                    <a:srgbClr val="000000">
+                      <a:alpha val="100000"/>
+                    </a:srgbClr>
+                  </a:solidFill>
+                  <a:latin typeface="Arial"/>
+                  <a:cs typeface="Arial"/>
+                </a:rPr>
+                <a:t>mbush</a:t>
               </a:r>
               <a:r>
                 <a:rPr lang="en-CA" sz="1320" dirty="0" smtClean="0">
@@ -25733,19 +25747,7 @@
                   <a:latin typeface="Arial"/>
                   <a:cs typeface="Arial"/>
                 </a:rPr>
-                <a:t>in </a:t>
-              </a:r>
-              <a:r>
-                <a:rPr sz="1320" dirty="0" smtClean="0">
-                  <a:solidFill>
-                    <a:srgbClr val="000000">
-                      <a:alpha val="100000"/>
-                    </a:srgbClr>
-                  </a:solidFill>
-                  <a:latin typeface="Arial"/>
-                  <a:cs typeface="Arial"/>
-                </a:rPr>
-                <a:t>ambush</a:t>
+                <a:t> time</a:t>
               </a:r>
               <a:endParaRPr sz="1320" dirty="0">
                 <a:solidFill>
@@ -26013,6 +26015,60 @@
 </p:sld>
 </file>
 
+<file path=ppt/slides/slide8.xml><?xml version="1.0" encoding="utf-8"?>
+<p:sld xmlns:a="http://schemas.openxmlformats.org/drawingml/2006/main" xmlns:r="http://schemas.openxmlformats.org/officeDocument/2006/relationships" xmlns:p="http://schemas.openxmlformats.org/presentationml/2006/main">
+  <p:cSld>
+    <p:spTree>
+      <p:nvGrpSpPr>
+        <p:cNvPr id="1" name=""/>
+        <p:cNvGrpSpPr/>
+        <p:nvPr/>
+      </p:nvGrpSpPr>
+      <p:grpSpPr>
+        <a:xfrm>
+          <a:off x="0" y="0"/>
+          <a:ext cx="0" cy="0"/>
+          <a:chOff x="0" y="0"/>
+          <a:chExt cx="0" cy="0"/>
+        </a:xfrm>
+      </p:grpSpPr>
+      <p:pic>
+        <p:nvPicPr>
+          <p:cNvPr id="524" name="Picture 523"/>
+          <p:cNvPicPr>
+            <a:picLocks noChangeAspect="1"/>
+          </p:cNvPicPr>
+          <p:nvPr/>
+        </p:nvPicPr>
+        <p:blipFill>
+          <a:blip r:embed="rId2"/>
+          <a:stretch>
+            <a:fillRect/>
+          </a:stretch>
+        </p:blipFill>
+        <p:spPr>
+          <a:xfrm>
+            <a:off x="1133426" y="877603"/>
+            <a:ext cx="9925148" cy="5102794"/>
+          </a:xfrm>
+          <a:prstGeom prst="rect">
+            <a:avLst/>
+          </a:prstGeom>
+        </p:spPr>
+      </p:pic>
+    </p:spTree>
+    <p:extLst>
+      <p:ext uri="{BB962C8B-B14F-4D97-AF65-F5344CB8AC3E}">
+        <p14:creationId xmlns:p14="http://schemas.microsoft.com/office/powerpoint/2010/main" val="826957836"/>
+      </p:ext>
+    </p:extLst>
+  </p:cSld>
+  <p:clrMapOvr>
+    <a:masterClrMapping/>
+  </p:clrMapOvr>
+</p:sld>
+</file>
+
 <file path=ppt/theme/theme1.xml><?xml version="1.0" encoding="utf-8"?>
 <a:theme xmlns:a="http://schemas.openxmlformats.org/drawingml/2006/main" name="Office Theme">
   <a:themeElements>
